--- a/resource/image.pptx
+++ b/resource/image.pptx
@@ -6,6 +6,8 @@
   </p:sldMasterIdLst>
   <p:sldIdLst>
     <p:sldId id="256" r:id="rId2"/>
+    <p:sldId id="257" r:id="rId3"/>
+    <p:sldId id="258" r:id="rId4"/>
   </p:sldIdLst>
   <p:sldSz cx="12192000" cy="6858000"/>
   <p:notesSz cx="6858000" cy="9144000"/>
@@ -104,7 +106,16 @@
       </a:defRPr>
     </a:lvl9pPr>
   </p:defaultTextStyle>
+  <p:extLst>
+    <p:ext uri="{EFAFB233-063F-42B5-8137-9DF3F51BA10A}">
+      <p15:sldGuideLst xmlns:p15="http://schemas.microsoft.com/office/powerpoint/2012/main"/>
+    </p:ext>
+  </p:extLst>
 </p:presentation>
+</file>
+
+<file path=ppt/revisionInfo.xml><?xml version="1.0" encoding="utf-8"?>
+<p1510:revInfo xmlns:a="http://schemas.openxmlformats.org/drawingml/2006/main" xmlns:r="http://schemas.openxmlformats.org/officeDocument/2006/relationships" xmlns:p1510="http://schemas.microsoft.com/office/powerpoint/2015/10/main"/>
 </file>
 
 <file path=ppt/slideLayouts/slideLayout1.xml><?xml version="1.0" encoding="utf-8"?>
@@ -4945,6 +4956,1282 @@
 </p:sld>
 </file>
 
+<file path=ppt/slides/slide2.xml><?xml version="1.0" encoding="utf-8"?>
+<p:sld xmlns:a="http://schemas.openxmlformats.org/drawingml/2006/main" xmlns:r="http://schemas.openxmlformats.org/officeDocument/2006/relationships" xmlns:p="http://schemas.openxmlformats.org/presentationml/2006/main">
+  <p:cSld>
+    <p:spTree>
+      <p:nvGrpSpPr>
+        <p:cNvPr id="1" name=""/>
+        <p:cNvGrpSpPr/>
+        <p:nvPr/>
+      </p:nvGrpSpPr>
+      <p:grpSpPr>
+        <a:xfrm>
+          <a:off x="0" y="0"/>
+          <a:ext cx="0" cy="0"/>
+          <a:chOff x="0" y="0"/>
+          <a:chExt cx="0" cy="0"/>
+        </a:xfrm>
+      </p:grpSpPr>
+      <p:sp>
+        <p:nvSpPr>
+          <p:cNvPr id="4" name="矩形 3">
+            <a:extLst>
+              <a:ext uri="{FF2B5EF4-FFF2-40B4-BE49-F238E27FC236}">
+                <a16:creationId xmlns:a16="http://schemas.microsoft.com/office/drawing/2014/main" id="{24C802EB-A415-4300-94EA-056A854C4080}"/>
+              </a:ext>
+            </a:extLst>
+          </p:cNvPr>
+          <p:cNvSpPr/>
+          <p:nvPr/>
+        </p:nvSpPr>
+        <p:spPr>
+          <a:xfrm>
+            <a:off x="2323751" y="2650922"/>
+            <a:ext cx="2231472" cy="394282"/>
+          </a:xfrm>
+          <a:prstGeom prst="rect">
+            <a:avLst/>
+          </a:prstGeom>
+        </p:spPr>
+        <p:style>
+          <a:lnRef idx="2">
+            <a:schemeClr val="dk1"/>
+          </a:lnRef>
+          <a:fillRef idx="1">
+            <a:schemeClr val="lt1"/>
+          </a:fillRef>
+          <a:effectRef idx="0">
+            <a:schemeClr val="dk1"/>
+          </a:effectRef>
+          <a:fontRef idx="minor">
+            <a:schemeClr val="dk1"/>
+          </a:fontRef>
+        </p:style>
+        <p:txBody>
+          <a:bodyPr rtlCol="0" anchor="ctr"/>
+          <a:lstStyle/>
+          <a:p>
+            <a:pPr algn="ctr"/>
+            <a:endParaRPr lang="zh-CN" altLang="en-US" dirty="0"/>
+          </a:p>
+        </p:txBody>
+      </p:sp>
+      <p:sp>
+        <p:nvSpPr>
+          <p:cNvPr id="5" name="矩形 4">
+            <a:extLst>
+              <a:ext uri="{FF2B5EF4-FFF2-40B4-BE49-F238E27FC236}">
+                <a16:creationId xmlns:a16="http://schemas.microsoft.com/office/drawing/2014/main" id="{729267D7-DE81-4970-A64F-7EDA61445109}"/>
+              </a:ext>
+            </a:extLst>
+          </p:cNvPr>
+          <p:cNvSpPr/>
+          <p:nvPr/>
+        </p:nvSpPr>
+        <p:spPr>
+          <a:xfrm>
+            <a:off x="2323751" y="3707934"/>
+            <a:ext cx="2231472" cy="394282"/>
+          </a:xfrm>
+          <a:prstGeom prst="rect">
+            <a:avLst/>
+          </a:prstGeom>
+        </p:spPr>
+        <p:style>
+          <a:lnRef idx="2">
+            <a:schemeClr val="dk1"/>
+          </a:lnRef>
+          <a:fillRef idx="1">
+            <a:schemeClr val="lt1"/>
+          </a:fillRef>
+          <a:effectRef idx="0">
+            <a:schemeClr val="dk1"/>
+          </a:effectRef>
+          <a:fontRef idx="minor">
+            <a:schemeClr val="dk1"/>
+          </a:fontRef>
+        </p:style>
+        <p:txBody>
+          <a:bodyPr rtlCol="0" anchor="ctr"/>
+          <a:lstStyle/>
+          <a:p>
+            <a:pPr algn="ctr"/>
+            <a:endParaRPr lang="zh-CN" altLang="en-US"/>
+          </a:p>
+        </p:txBody>
+      </p:sp>
+      <p:sp>
+        <p:nvSpPr>
+          <p:cNvPr id="6" name="矩形 5">
+            <a:extLst>
+              <a:ext uri="{FF2B5EF4-FFF2-40B4-BE49-F238E27FC236}">
+                <a16:creationId xmlns:a16="http://schemas.microsoft.com/office/drawing/2014/main" id="{A38A7889-F31C-4350-87D0-B230977D632E}"/>
+              </a:ext>
+            </a:extLst>
+          </p:cNvPr>
+          <p:cNvSpPr/>
+          <p:nvPr/>
+        </p:nvSpPr>
+        <p:spPr>
+          <a:xfrm>
+            <a:off x="4555223" y="3707934"/>
+            <a:ext cx="2231472" cy="394282"/>
+          </a:xfrm>
+          <a:prstGeom prst="rect">
+            <a:avLst/>
+          </a:prstGeom>
+        </p:spPr>
+        <p:style>
+          <a:lnRef idx="2">
+            <a:schemeClr val="dk1"/>
+          </a:lnRef>
+          <a:fillRef idx="1">
+            <a:schemeClr val="lt1"/>
+          </a:fillRef>
+          <a:effectRef idx="0">
+            <a:schemeClr val="dk1"/>
+          </a:effectRef>
+          <a:fontRef idx="minor">
+            <a:schemeClr val="dk1"/>
+          </a:fontRef>
+        </p:style>
+        <p:txBody>
+          <a:bodyPr rtlCol="0" anchor="ctr"/>
+          <a:lstStyle/>
+          <a:p>
+            <a:pPr algn="ctr"/>
+            <a:endParaRPr lang="zh-CN" altLang="en-US"/>
+          </a:p>
+        </p:txBody>
+      </p:sp>
+      <p:sp>
+        <p:nvSpPr>
+          <p:cNvPr id="7" name="矩形 6">
+            <a:extLst>
+              <a:ext uri="{FF2B5EF4-FFF2-40B4-BE49-F238E27FC236}">
+                <a16:creationId xmlns:a16="http://schemas.microsoft.com/office/drawing/2014/main" id="{3F70061F-D5F2-444B-AF0D-7A68E5B0F245}"/>
+              </a:ext>
+            </a:extLst>
+          </p:cNvPr>
+          <p:cNvSpPr/>
+          <p:nvPr/>
+        </p:nvSpPr>
+        <p:spPr>
+          <a:xfrm>
+            <a:off x="2323751" y="4764946"/>
+            <a:ext cx="2231472" cy="394282"/>
+          </a:xfrm>
+          <a:prstGeom prst="rect">
+            <a:avLst/>
+          </a:prstGeom>
+        </p:spPr>
+        <p:style>
+          <a:lnRef idx="2">
+            <a:schemeClr val="dk1"/>
+          </a:lnRef>
+          <a:fillRef idx="1">
+            <a:schemeClr val="lt1"/>
+          </a:fillRef>
+          <a:effectRef idx="0">
+            <a:schemeClr val="dk1"/>
+          </a:effectRef>
+          <a:fontRef idx="minor">
+            <a:schemeClr val="dk1"/>
+          </a:fontRef>
+        </p:style>
+        <p:txBody>
+          <a:bodyPr rtlCol="0" anchor="ctr"/>
+          <a:lstStyle/>
+          <a:p>
+            <a:pPr algn="ctr"/>
+            <a:endParaRPr lang="zh-CN" altLang="en-US"/>
+          </a:p>
+        </p:txBody>
+      </p:sp>
+      <p:sp>
+        <p:nvSpPr>
+          <p:cNvPr id="8" name="矩形 7">
+            <a:extLst>
+              <a:ext uri="{FF2B5EF4-FFF2-40B4-BE49-F238E27FC236}">
+                <a16:creationId xmlns:a16="http://schemas.microsoft.com/office/drawing/2014/main" id="{F6C6DD6D-B1BB-4586-BCCA-4B490FE7ABC2}"/>
+              </a:ext>
+            </a:extLst>
+          </p:cNvPr>
+          <p:cNvSpPr/>
+          <p:nvPr/>
+        </p:nvSpPr>
+        <p:spPr>
+          <a:xfrm>
+            <a:off x="4555223" y="4764946"/>
+            <a:ext cx="2231472" cy="394282"/>
+          </a:xfrm>
+          <a:prstGeom prst="rect">
+            <a:avLst/>
+          </a:prstGeom>
+        </p:spPr>
+        <p:style>
+          <a:lnRef idx="2">
+            <a:schemeClr val="dk1"/>
+          </a:lnRef>
+          <a:fillRef idx="1">
+            <a:schemeClr val="lt1"/>
+          </a:fillRef>
+          <a:effectRef idx="0">
+            <a:schemeClr val="dk1"/>
+          </a:effectRef>
+          <a:fontRef idx="minor">
+            <a:schemeClr val="dk1"/>
+          </a:fontRef>
+        </p:style>
+        <p:txBody>
+          <a:bodyPr rtlCol="0" anchor="ctr"/>
+          <a:lstStyle/>
+          <a:p>
+            <a:pPr algn="ctr"/>
+            <a:endParaRPr lang="zh-CN" altLang="en-US"/>
+          </a:p>
+        </p:txBody>
+      </p:sp>
+      <p:sp>
+        <p:nvSpPr>
+          <p:cNvPr id="9" name="矩形 8">
+            <a:extLst>
+              <a:ext uri="{FF2B5EF4-FFF2-40B4-BE49-F238E27FC236}">
+                <a16:creationId xmlns:a16="http://schemas.microsoft.com/office/drawing/2014/main" id="{310E64D1-C5AA-403E-87A5-1FC8AC5731BE}"/>
+              </a:ext>
+            </a:extLst>
+          </p:cNvPr>
+          <p:cNvSpPr/>
+          <p:nvPr/>
+        </p:nvSpPr>
+        <p:spPr>
+          <a:xfrm>
+            <a:off x="6786695" y="4764946"/>
+            <a:ext cx="2231472" cy="394282"/>
+          </a:xfrm>
+          <a:prstGeom prst="rect">
+            <a:avLst/>
+          </a:prstGeom>
+        </p:spPr>
+        <p:style>
+          <a:lnRef idx="2">
+            <a:schemeClr val="dk1"/>
+          </a:lnRef>
+          <a:fillRef idx="1">
+            <a:schemeClr val="lt1"/>
+          </a:fillRef>
+          <a:effectRef idx="0">
+            <a:schemeClr val="dk1"/>
+          </a:effectRef>
+          <a:fontRef idx="minor">
+            <a:schemeClr val="dk1"/>
+          </a:fontRef>
+        </p:style>
+        <p:txBody>
+          <a:bodyPr rtlCol="0" anchor="ctr"/>
+          <a:lstStyle/>
+          <a:p>
+            <a:pPr algn="ctr"/>
+            <a:endParaRPr lang="zh-CN" altLang="en-US"/>
+          </a:p>
+        </p:txBody>
+      </p:sp>
+      <p:sp>
+        <p:nvSpPr>
+          <p:cNvPr id="10" name="矩形 9">
+            <a:extLst>
+              <a:ext uri="{FF2B5EF4-FFF2-40B4-BE49-F238E27FC236}">
+                <a16:creationId xmlns:a16="http://schemas.microsoft.com/office/drawing/2014/main" id="{CB54579F-9B42-4670-8260-7C2E0D6550D8}"/>
+              </a:ext>
+            </a:extLst>
+          </p:cNvPr>
+          <p:cNvSpPr/>
+          <p:nvPr/>
+        </p:nvSpPr>
+        <p:spPr>
+          <a:xfrm>
+            <a:off x="9018167" y="4764946"/>
+            <a:ext cx="2231472" cy="394282"/>
+          </a:xfrm>
+          <a:prstGeom prst="rect">
+            <a:avLst/>
+          </a:prstGeom>
+        </p:spPr>
+        <p:style>
+          <a:lnRef idx="2">
+            <a:schemeClr val="dk1"/>
+          </a:lnRef>
+          <a:fillRef idx="1">
+            <a:schemeClr val="lt1"/>
+          </a:fillRef>
+          <a:effectRef idx="0">
+            <a:schemeClr val="dk1"/>
+          </a:effectRef>
+          <a:fontRef idx="minor">
+            <a:schemeClr val="dk1"/>
+          </a:fontRef>
+        </p:style>
+        <p:txBody>
+          <a:bodyPr rtlCol="0" anchor="ctr"/>
+          <a:lstStyle/>
+          <a:p>
+            <a:pPr algn="ctr"/>
+            <a:endParaRPr lang="zh-CN" altLang="en-US"/>
+          </a:p>
+        </p:txBody>
+      </p:sp>
+      <p:sp>
+        <p:nvSpPr>
+          <p:cNvPr id="12" name="矩形 11">
+            <a:extLst>
+              <a:ext uri="{FF2B5EF4-FFF2-40B4-BE49-F238E27FC236}">
+                <a16:creationId xmlns:a16="http://schemas.microsoft.com/office/drawing/2014/main" id="{A434A3AE-0267-4ECA-A171-1F32614ED428}"/>
+              </a:ext>
+            </a:extLst>
+          </p:cNvPr>
+          <p:cNvSpPr/>
+          <p:nvPr/>
+        </p:nvSpPr>
+        <p:spPr>
+          <a:xfrm>
+            <a:off x="2323751" y="2650922"/>
+            <a:ext cx="469784" cy="394282"/>
+          </a:xfrm>
+          <a:prstGeom prst="rect">
+            <a:avLst/>
+          </a:prstGeom>
+        </p:spPr>
+        <p:style>
+          <a:lnRef idx="2">
+            <a:schemeClr val="accent1">
+              <a:shade val="50000"/>
+            </a:schemeClr>
+          </a:lnRef>
+          <a:fillRef idx="1">
+            <a:schemeClr val="accent1"/>
+          </a:fillRef>
+          <a:effectRef idx="0">
+            <a:schemeClr val="accent1"/>
+          </a:effectRef>
+          <a:fontRef idx="minor">
+            <a:schemeClr val="lt1"/>
+          </a:fontRef>
+        </p:style>
+        <p:txBody>
+          <a:bodyPr rtlCol="0" anchor="ctr"/>
+          <a:lstStyle/>
+          <a:p>
+            <a:pPr algn="ctr"/>
+            <a:r>
+              <a:rPr lang="en-US" altLang="zh-CN" dirty="0"/>
+              <a:t>N</a:t>
+            </a:r>
+            <a:endParaRPr lang="zh-CN" altLang="en-US" dirty="0"/>
+          </a:p>
+        </p:txBody>
+      </p:sp>
+      <p:sp>
+        <p:nvSpPr>
+          <p:cNvPr id="13" name="矩形 12">
+            <a:extLst>
+              <a:ext uri="{FF2B5EF4-FFF2-40B4-BE49-F238E27FC236}">
+                <a16:creationId xmlns:a16="http://schemas.microsoft.com/office/drawing/2014/main" id="{8942A6B6-BAED-44E3-822F-971FF2B5AAAC}"/>
+              </a:ext>
+            </a:extLst>
+          </p:cNvPr>
+          <p:cNvSpPr/>
+          <p:nvPr/>
+        </p:nvSpPr>
+        <p:spPr>
+          <a:xfrm>
+            <a:off x="2323751" y="3707934"/>
+            <a:ext cx="469784" cy="394282"/>
+          </a:xfrm>
+          <a:prstGeom prst="rect">
+            <a:avLst/>
+          </a:prstGeom>
+        </p:spPr>
+        <p:style>
+          <a:lnRef idx="2">
+            <a:schemeClr val="accent1">
+              <a:shade val="50000"/>
+            </a:schemeClr>
+          </a:lnRef>
+          <a:fillRef idx="1">
+            <a:schemeClr val="accent1"/>
+          </a:fillRef>
+          <a:effectRef idx="0">
+            <a:schemeClr val="accent1"/>
+          </a:effectRef>
+          <a:fontRef idx="minor">
+            <a:schemeClr val="lt1"/>
+          </a:fontRef>
+        </p:style>
+        <p:txBody>
+          <a:bodyPr rtlCol="0" anchor="ctr"/>
+          <a:lstStyle/>
+          <a:p>
+            <a:pPr algn="ctr"/>
+            <a:r>
+              <a:rPr lang="en-US" altLang="zh-CN" dirty="0"/>
+              <a:t>N</a:t>
+            </a:r>
+            <a:endParaRPr lang="zh-CN" altLang="en-US" dirty="0"/>
+          </a:p>
+        </p:txBody>
+      </p:sp>
+      <p:sp>
+        <p:nvSpPr>
+          <p:cNvPr id="14" name="矩形 13">
+            <a:extLst>
+              <a:ext uri="{FF2B5EF4-FFF2-40B4-BE49-F238E27FC236}">
+                <a16:creationId xmlns:a16="http://schemas.microsoft.com/office/drawing/2014/main" id="{FDC2BD74-1109-489F-903E-19C9DBBD64AE}"/>
+              </a:ext>
+            </a:extLst>
+          </p:cNvPr>
+          <p:cNvSpPr/>
+          <p:nvPr/>
+        </p:nvSpPr>
+        <p:spPr>
+          <a:xfrm>
+            <a:off x="2323751" y="4764946"/>
+            <a:ext cx="469784" cy="394282"/>
+          </a:xfrm>
+          <a:prstGeom prst="rect">
+            <a:avLst/>
+          </a:prstGeom>
+        </p:spPr>
+        <p:style>
+          <a:lnRef idx="2">
+            <a:schemeClr val="accent1">
+              <a:shade val="50000"/>
+            </a:schemeClr>
+          </a:lnRef>
+          <a:fillRef idx="1">
+            <a:schemeClr val="accent1"/>
+          </a:fillRef>
+          <a:effectRef idx="0">
+            <a:schemeClr val="accent1"/>
+          </a:effectRef>
+          <a:fontRef idx="minor">
+            <a:schemeClr val="lt1"/>
+          </a:fontRef>
+        </p:style>
+        <p:txBody>
+          <a:bodyPr rtlCol="0" anchor="ctr"/>
+          <a:lstStyle/>
+          <a:p>
+            <a:pPr algn="ctr"/>
+            <a:r>
+              <a:rPr lang="en-US" altLang="zh-CN" dirty="0"/>
+              <a:t>N</a:t>
+            </a:r>
+            <a:endParaRPr lang="zh-CN" altLang="en-US" dirty="0"/>
+          </a:p>
+        </p:txBody>
+      </p:sp>
+      <p:cxnSp>
+        <p:nvCxnSpPr>
+          <p:cNvPr id="16" name="直接箭头连接符 15">
+            <a:extLst>
+              <a:ext uri="{FF2B5EF4-FFF2-40B4-BE49-F238E27FC236}">
+                <a16:creationId xmlns:a16="http://schemas.microsoft.com/office/drawing/2014/main" id="{71FB2EE9-7004-45AA-9C21-2FE0D3C63291}"/>
+              </a:ext>
+            </a:extLst>
+          </p:cNvPr>
+          <p:cNvCxnSpPr>
+            <a:stCxn id="12" idx="2"/>
+            <a:endCxn id="13" idx="0"/>
+          </p:cNvCxnSpPr>
+          <p:nvPr/>
+        </p:nvCxnSpPr>
+        <p:spPr>
+          <a:xfrm>
+            <a:off x="2558643" y="3045204"/>
+            <a:ext cx="0" cy="662730"/>
+          </a:xfrm>
+          <a:prstGeom prst="straightConnector1">
+            <a:avLst/>
+          </a:prstGeom>
+          <a:ln>
+            <a:tailEnd type="triangle"/>
+          </a:ln>
+        </p:spPr>
+        <p:style>
+          <a:lnRef idx="1">
+            <a:schemeClr val="accent1"/>
+          </a:lnRef>
+          <a:fillRef idx="0">
+            <a:schemeClr val="accent1"/>
+          </a:fillRef>
+          <a:effectRef idx="0">
+            <a:schemeClr val="accent1"/>
+          </a:effectRef>
+          <a:fontRef idx="minor">
+            <a:schemeClr val="tx1"/>
+          </a:fontRef>
+        </p:style>
+      </p:cxnSp>
+      <p:cxnSp>
+        <p:nvCxnSpPr>
+          <p:cNvPr id="18" name="直接箭头连接符 17">
+            <a:extLst>
+              <a:ext uri="{FF2B5EF4-FFF2-40B4-BE49-F238E27FC236}">
+                <a16:creationId xmlns:a16="http://schemas.microsoft.com/office/drawing/2014/main" id="{8903413C-C7DC-46D5-AC26-6DEF3480530A}"/>
+              </a:ext>
+            </a:extLst>
+          </p:cNvPr>
+          <p:cNvCxnSpPr>
+            <a:stCxn id="13" idx="2"/>
+            <a:endCxn id="14" idx="0"/>
+          </p:cNvCxnSpPr>
+          <p:nvPr/>
+        </p:nvCxnSpPr>
+        <p:spPr>
+          <a:xfrm>
+            <a:off x="2558643" y="4102216"/>
+            <a:ext cx="0" cy="662730"/>
+          </a:xfrm>
+          <a:prstGeom prst="straightConnector1">
+            <a:avLst/>
+          </a:prstGeom>
+          <a:ln>
+            <a:tailEnd type="triangle"/>
+          </a:ln>
+        </p:spPr>
+        <p:style>
+          <a:lnRef idx="1">
+            <a:schemeClr val="accent1"/>
+          </a:lnRef>
+          <a:fillRef idx="0">
+            <a:schemeClr val="accent1"/>
+          </a:fillRef>
+          <a:effectRef idx="0">
+            <a:schemeClr val="accent1"/>
+          </a:effectRef>
+          <a:fontRef idx="minor">
+            <a:schemeClr val="tx1"/>
+          </a:fontRef>
+        </p:style>
+      </p:cxnSp>
+      <p:grpSp>
+        <p:nvGrpSpPr>
+          <p:cNvPr id="27" name="组合 26">
+            <a:extLst>
+              <a:ext uri="{FF2B5EF4-FFF2-40B4-BE49-F238E27FC236}">
+                <a16:creationId xmlns:a16="http://schemas.microsoft.com/office/drawing/2014/main" id="{771F8544-D24C-47A7-B0FA-067498524E6B}"/>
+              </a:ext>
+            </a:extLst>
+          </p:cNvPr>
+          <p:cNvGrpSpPr/>
+          <p:nvPr/>
+        </p:nvGrpSpPr>
+        <p:grpSpPr>
+          <a:xfrm>
+            <a:off x="469784" y="2680283"/>
+            <a:ext cx="1157681" cy="1224792"/>
+            <a:chOff x="805343" y="1241572"/>
+            <a:chExt cx="1157681" cy="1224792"/>
+          </a:xfrm>
+        </p:grpSpPr>
+        <p:sp>
+          <p:nvSpPr>
+            <p:cNvPr id="20" name="矩形 19">
+              <a:extLst>
+                <a:ext uri="{FF2B5EF4-FFF2-40B4-BE49-F238E27FC236}">
+                  <a16:creationId xmlns:a16="http://schemas.microsoft.com/office/drawing/2014/main" id="{47F47861-382E-4985-B634-3B9209CD8C34}"/>
+                </a:ext>
+              </a:extLst>
+            </p:cNvPr>
+            <p:cNvSpPr/>
+            <p:nvPr/>
+          </p:nvSpPr>
+          <p:spPr>
+            <a:xfrm>
+              <a:off x="805343" y="1241572"/>
+              <a:ext cx="1157681" cy="1224792"/>
+            </a:xfrm>
+            <a:prstGeom prst="rect">
+              <a:avLst/>
+            </a:prstGeom>
+          </p:spPr>
+          <p:style>
+            <a:lnRef idx="2">
+              <a:schemeClr val="dk1"/>
+            </a:lnRef>
+            <a:fillRef idx="1">
+              <a:schemeClr val="lt1"/>
+            </a:fillRef>
+            <a:effectRef idx="0">
+              <a:schemeClr val="dk1"/>
+            </a:effectRef>
+            <a:fontRef idx="minor">
+              <a:schemeClr val="dk1"/>
+            </a:fontRef>
+          </p:style>
+          <p:txBody>
+            <a:bodyPr rtlCol="0" anchor="t"/>
+            <a:lstStyle/>
+            <a:p>
+              <a:r>
+                <a:rPr lang="zh-CN" altLang="en-US" sz="1400" dirty="0"/>
+                <a:t>内存分配器</a:t>
+              </a:r>
+            </a:p>
+          </p:txBody>
+        </p:sp>
+        <p:sp>
+          <p:nvSpPr>
+            <p:cNvPr id="21" name="矩形: 圆角 20">
+              <a:extLst>
+                <a:ext uri="{FF2B5EF4-FFF2-40B4-BE49-F238E27FC236}">
+                  <a16:creationId xmlns:a16="http://schemas.microsoft.com/office/drawing/2014/main" id="{B5985216-50D0-4EEF-99A7-7392FDC33914}"/>
+                </a:ext>
+              </a:extLst>
+            </p:cNvPr>
+            <p:cNvSpPr/>
+            <p:nvPr/>
+          </p:nvSpPr>
+          <p:spPr>
+            <a:xfrm>
+              <a:off x="805343" y="1795244"/>
+              <a:ext cx="1157681" cy="335560"/>
+            </a:xfrm>
+            <a:prstGeom prst="roundRect">
+              <a:avLst/>
+            </a:prstGeom>
+          </p:spPr>
+          <p:style>
+            <a:lnRef idx="2">
+              <a:schemeClr val="accent1">
+                <a:shade val="50000"/>
+              </a:schemeClr>
+            </a:lnRef>
+            <a:fillRef idx="1">
+              <a:schemeClr val="accent1"/>
+            </a:fillRef>
+            <a:effectRef idx="0">
+              <a:schemeClr val="accent1"/>
+            </a:effectRef>
+            <a:fontRef idx="minor">
+              <a:schemeClr val="lt1"/>
+            </a:fontRef>
+          </p:style>
+          <p:txBody>
+            <a:bodyPr rtlCol="0" anchor="ctr"/>
+            <a:lstStyle/>
+            <a:p>
+              <a:pPr algn="ctr"/>
+              <a:r>
+                <a:rPr lang="en-US" altLang="zh-CN" dirty="0"/>
+                <a:t>Head</a:t>
+              </a:r>
+              <a:endParaRPr lang="zh-CN" altLang="en-US" dirty="0"/>
+            </a:p>
+          </p:txBody>
+        </p:sp>
+        <p:sp>
+          <p:nvSpPr>
+            <p:cNvPr id="22" name="矩形: 圆角 21">
+              <a:extLst>
+                <a:ext uri="{FF2B5EF4-FFF2-40B4-BE49-F238E27FC236}">
+                  <a16:creationId xmlns:a16="http://schemas.microsoft.com/office/drawing/2014/main" id="{5DF6B664-A3AC-453E-9959-B126EA6A69E4}"/>
+                </a:ext>
+              </a:extLst>
+            </p:cNvPr>
+            <p:cNvSpPr/>
+            <p:nvPr/>
+          </p:nvSpPr>
+          <p:spPr>
+            <a:xfrm>
+              <a:off x="805343" y="2130804"/>
+              <a:ext cx="1157681" cy="335560"/>
+            </a:xfrm>
+            <a:prstGeom prst="roundRect">
+              <a:avLst/>
+            </a:prstGeom>
+          </p:spPr>
+          <p:style>
+            <a:lnRef idx="2">
+              <a:schemeClr val="accent1">
+                <a:shade val="50000"/>
+              </a:schemeClr>
+            </a:lnRef>
+            <a:fillRef idx="1">
+              <a:schemeClr val="accent1"/>
+            </a:fillRef>
+            <a:effectRef idx="0">
+              <a:schemeClr val="accent1"/>
+            </a:effectRef>
+            <a:fontRef idx="minor">
+              <a:schemeClr val="lt1"/>
+            </a:fontRef>
+          </p:style>
+          <p:txBody>
+            <a:bodyPr rtlCol="0" anchor="ctr"/>
+            <a:lstStyle/>
+            <a:p>
+              <a:pPr algn="ctr"/>
+              <a:r>
+                <a:rPr lang="en-US" altLang="zh-CN" dirty="0"/>
+                <a:t>End</a:t>
+              </a:r>
+              <a:endParaRPr lang="zh-CN" altLang="en-US" dirty="0"/>
+            </a:p>
+          </p:txBody>
+        </p:sp>
+      </p:grpSp>
+      <p:cxnSp>
+        <p:nvCxnSpPr>
+          <p:cNvPr id="24" name="连接符: 肘形 23">
+            <a:extLst>
+              <a:ext uri="{FF2B5EF4-FFF2-40B4-BE49-F238E27FC236}">
+                <a16:creationId xmlns:a16="http://schemas.microsoft.com/office/drawing/2014/main" id="{6C32AB56-2D78-4747-8AEF-1FB08A03ACEE}"/>
+              </a:ext>
+            </a:extLst>
+          </p:cNvPr>
+          <p:cNvCxnSpPr>
+            <a:stCxn id="22" idx="2"/>
+            <a:endCxn id="14" idx="1"/>
+          </p:cNvCxnSpPr>
+          <p:nvPr/>
+        </p:nvCxnSpPr>
+        <p:spPr>
+          <a:xfrm rot="16200000" flipH="1">
+            <a:off x="1157682" y="3796018"/>
+            <a:ext cx="1057012" cy="1275126"/>
+          </a:xfrm>
+          <a:prstGeom prst="bentConnector2">
+            <a:avLst/>
+          </a:prstGeom>
+          <a:ln>
+            <a:tailEnd type="triangle"/>
+          </a:ln>
+        </p:spPr>
+        <p:style>
+          <a:lnRef idx="1">
+            <a:schemeClr val="accent1"/>
+          </a:lnRef>
+          <a:fillRef idx="0">
+            <a:schemeClr val="accent1"/>
+          </a:fillRef>
+          <a:effectRef idx="0">
+            <a:schemeClr val="accent1"/>
+          </a:effectRef>
+          <a:fontRef idx="minor">
+            <a:schemeClr val="tx1"/>
+          </a:fontRef>
+        </p:style>
+      </p:cxnSp>
+      <p:cxnSp>
+        <p:nvCxnSpPr>
+          <p:cNvPr id="26" name="连接符: 肘形 25">
+            <a:extLst>
+              <a:ext uri="{FF2B5EF4-FFF2-40B4-BE49-F238E27FC236}">
+                <a16:creationId xmlns:a16="http://schemas.microsoft.com/office/drawing/2014/main" id="{C8F5E3F2-4176-43C0-8EB8-BCF813595C14}"/>
+              </a:ext>
+            </a:extLst>
+          </p:cNvPr>
+          <p:cNvCxnSpPr>
+            <a:stCxn id="21" idx="3"/>
+            <a:endCxn id="12" idx="0"/>
+          </p:cNvCxnSpPr>
+          <p:nvPr/>
+        </p:nvCxnSpPr>
+        <p:spPr>
+          <a:xfrm flipV="1">
+            <a:off x="1627465" y="2650922"/>
+            <a:ext cx="931178" cy="750813"/>
+          </a:xfrm>
+          <a:prstGeom prst="bentConnector4">
+            <a:avLst>
+              <a:gd name="adj1" fmla="val 37387"/>
+              <a:gd name="adj2" fmla="val 130447"/>
+            </a:avLst>
+          </a:prstGeom>
+          <a:ln>
+            <a:tailEnd type="triangle"/>
+          </a:ln>
+        </p:spPr>
+        <p:style>
+          <a:lnRef idx="1">
+            <a:schemeClr val="accent1"/>
+          </a:lnRef>
+          <a:fillRef idx="0">
+            <a:schemeClr val="accent1"/>
+          </a:fillRef>
+          <a:effectRef idx="0">
+            <a:schemeClr val="accent1"/>
+          </a:effectRef>
+          <a:fontRef idx="minor">
+            <a:schemeClr val="tx1"/>
+          </a:fontRef>
+        </p:style>
+      </p:cxnSp>
+    </p:spTree>
+    <p:extLst>
+      <p:ext uri="{BB962C8B-B14F-4D97-AF65-F5344CB8AC3E}">
+        <p14:creationId xmlns:p14="http://schemas.microsoft.com/office/powerpoint/2010/main" val="2031211582"/>
+      </p:ext>
+    </p:extLst>
+  </p:cSld>
+  <p:clrMapOvr>
+    <a:masterClrMapping/>
+  </p:clrMapOvr>
+</p:sld>
+</file>
+
+<file path=ppt/slides/slide3.xml><?xml version="1.0" encoding="utf-8"?>
+<p:sld xmlns:a="http://schemas.openxmlformats.org/drawingml/2006/main" xmlns:r="http://schemas.openxmlformats.org/officeDocument/2006/relationships" xmlns:p="http://schemas.openxmlformats.org/presentationml/2006/main">
+  <p:cSld>
+    <p:spTree>
+      <p:nvGrpSpPr>
+        <p:cNvPr id="1" name=""/>
+        <p:cNvGrpSpPr/>
+        <p:nvPr/>
+      </p:nvGrpSpPr>
+      <p:grpSpPr>
+        <a:xfrm>
+          <a:off x="0" y="0"/>
+          <a:ext cx="0" cy="0"/>
+          <a:chOff x="0" y="0"/>
+          <a:chExt cx="0" cy="0"/>
+        </a:xfrm>
+      </p:grpSpPr>
+      <p:sp>
+        <p:nvSpPr>
+          <p:cNvPr id="2" name="矩形 1">
+            <a:extLst>
+              <a:ext uri="{FF2B5EF4-FFF2-40B4-BE49-F238E27FC236}">
+                <a16:creationId xmlns:a16="http://schemas.microsoft.com/office/drawing/2014/main" id="{43777D5E-612E-4584-99FC-34A9E8C6DB80}"/>
+              </a:ext>
+            </a:extLst>
+          </p:cNvPr>
+          <p:cNvSpPr/>
+          <p:nvPr/>
+        </p:nvSpPr>
+        <p:spPr>
+          <a:xfrm>
+            <a:off x="2650920" y="1233181"/>
+            <a:ext cx="2105638" cy="2671892"/>
+          </a:xfrm>
+          <a:prstGeom prst="rect">
+            <a:avLst/>
+          </a:prstGeom>
+        </p:spPr>
+        <p:style>
+          <a:lnRef idx="2">
+            <a:schemeClr val="dk1"/>
+          </a:lnRef>
+          <a:fillRef idx="1">
+            <a:schemeClr val="lt1"/>
+          </a:fillRef>
+          <a:effectRef idx="0">
+            <a:schemeClr val="dk1"/>
+          </a:effectRef>
+          <a:fontRef idx="minor">
+            <a:schemeClr val="dk1"/>
+          </a:fontRef>
+        </p:style>
+        <p:txBody>
+          <a:bodyPr rtlCol="0" anchor="ctr"/>
+          <a:lstStyle/>
+          <a:p>
+            <a:pPr algn="ctr"/>
+            <a:endParaRPr lang="zh-CN" altLang="en-US"/>
+          </a:p>
+        </p:txBody>
+      </p:sp>
+      <p:sp>
+        <p:nvSpPr>
+          <p:cNvPr id="23" name="矩形 22">
+            <a:extLst>
+              <a:ext uri="{FF2B5EF4-FFF2-40B4-BE49-F238E27FC236}">
+                <a16:creationId xmlns:a16="http://schemas.microsoft.com/office/drawing/2014/main" id="{506E0C3B-F7A8-4655-93E2-B4780C684AAC}"/>
+              </a:ext>
+            </a:extLst>
+          </p:cNvPr>
+          <p:cNvSpPr/>
+          <p:nvPr/>
+        </p:nvSpPr>
+        <p:spPr>
+          <a:xfrm>
+            <a:off x="2650920" y="1233182"/>
+            <a:ext cx="2105638" cy="335559"/>
+          </a:xfrm>
+          <a:prstGeom prst="rect">
+            <a:avLst/>
+          </a:prstGeom>
+        </p:spPr>
+        <p:style>
+          <a:lnRef idx="2">
+            <a:schemeClr val="dk1"/>
+          </a:lnRef>
+          <a:fillRef idx="1">
+            <a:schemeClr val="lt1"/>
+          </a:fillRef>
+          <a:effectRef idx="0">
+            <a:schemeClr val="dk1"/>
+          </a:effectRef>
+          <a:fontRef idx="minor">
+            <a:schemeClr val="dk1"/>
+          </a:fontRef>
+        </p:style>
+        <p:txBody>
+          <a:bodyPr rtlCol="0" anchor="ctr"/>
+          <a:lstStyle/>
+          <a:p>
+            <a:pPr algn="ctr"/>
+            <a:r>
+              <a:rPr lang="zh-CN" altLang="en-US" dirty="0"/>
+              <a:t>类型</a:t>
+            </a:r>
+          </a:p>
+        </p:txBody>
+      </p:sp>
+      <p:sp>
+        <p:nvSpPr>
+          <p:cNvPr id="25" name="矩形 24">
+            <a:extLst>
+              <a:ext uri="{FF2B5EF4-FFF2-40B4-BE49-F238E27FC236}">
+                <a16:creationId xmlns:a16="http://schemas.microsoft.com/office/drawing/2014/main" id="{11FF21C6-E433-40A0-B11D-20932A3E50FD}"/>
+              </a:ext>
+            </a:extLst>
+          </p:cNvPr>
+          <p:cNvSpPr/>
+          <p:nvPr/>
+        </p:nvSpPr>
+        <p:spPr>
+          <a:xfrm>
+            <a:off x="2650920" y="1568741"/>
+            <a:ext cx="2105638" cy="335559"/>
+          </a:xfrm>
+          <a:prstGeom prst="rect">
+            <a:avLst/>
+          </a:prstGeom>
+        </p:spPr>
+        <p:style>
+          <a:lnRef idx="2">
+            <a:schemeClr val="dk1"/>
+          </a:lnRef>
+          <a:fillRef idx="1">
+            <a:schemeClr val="lt1"/>
+          </a:fillRef>
+          <a:effectRef idx="0">
+            <a:schemeClr val="dk1"/>
+          </a:effectRef>
+          <a:fontRef idx="minor">
+            <a:schemeClr val="dk1"/>
+          </a:fontRef>
+        </p:style>
+        <p:txBody>
+          <a:bodyPr rtlCol="0" anchor="ctr"/>
+          <a:lstStyle/>
+          <a:p>
+            <a:pPr algn="ctr"/>
+            <a:r>
+              <a:rPr lang="zh-CN" altLang="en-US" dirty="0"/>
+              <a:t>关键字</a:t>
+            </a:r>
+          </a:p>
+        </p:txBody>
+      </p:sp>
+      <p:sp>
+        <p:nvSpPr>
+          <p:cNvPr id="28" name="矩形 27">
+            <a:extLst>
+              <a:ext uri="{FF2B5EF4-FFF2-40B4-BE49-F238E27FC236}">
+                <a16:creationId xmlns:a16="http://schemas.microsoft.com/office/drawing/2014/main" id="{83B1BE3F-8141-477E-B2F4-27A0BC384554}"/>
+              </a:ext>
+            </a:extLst>
+          </p:cNvPr>
+          <p:cNvSpPr/>
+          <p:nvPr/>
+        </p:nvSpPr>
+        <p:spPr>
+          <a:xfrm>
+            <a:off x="2650920" y="1900107"/>
+            <a:ext cx="2105638" cy="335559"/>
+          </a:xfrm>
+          <a:prstGeom prst="rect">
+            <a:avLst/>
+          </a:prstGeom>
+        </p:spPr>
+        <p:style>
+          <a:lnRef idx="2">
+            <a:schemeClr val="dk1"/>
+          </a:lnRef>
+          <a:fillRef idx="1">
+            <a:schemeClr val="lt1"/>
+          </a:fillRef>
+          <a:effectRef idx="0">
+            <a:schemeClr val="dk1"/>
+          </a:effectRef>
+          <a:fontRef idx="minor">
+            <a:schemeClr val="dk1"/>
+          </a:fontRef>
+        </p:style>
+        <p:txBody>
+          <a:bodyPr rtlCol="0" anchor="ctr"/>
+          <a:lstStyle/>
+          <a:p>
+            <a:pPr algn="ctr"/>
+            <a:r>
+              <a:rPr lang="zh-CN" altLang="en-US" dirty="0"/>
+              <a:t>值</a:t>
+            </a:r>
+          </a:p>
+        </p:txBody>
+      </p:sp>
+      <p:sp>
+        <p:nvSpPr>
+          <p:cNvPr id="29" name="矩形 28">
+            <a:extLst>
+              <a:ext uri="{FF2B5EF4-FFF2-40B4-BE49-F238E27FC236}">
+                <a16:creationId xmlns:a16="http://schemas.microsoft.com/office/drawing/2014/main" id="{5B8732B2-7C15-4BF9-8DA0-07F989F95C75}"/>
+              </a:ext>
+            </a:extLst>
+          </p:cNvPr>
+          <p:cNvSpPr/>
+          <p:nvPr/>
+        </p:nvSpPr>
+        <p:spPr>
+          <a:xfrm>
+            <a:off x="2650920" y="2231473"/>
+            <a:ext cx="2105638" cy="335559"/>
+          </a:xfrm>
+          <a:prstGeom prst="rect">
+            <a:avLst/>
+          </a:prstGeom>
+        </p:spPr>
+        <p:style>
+          <a:lnRef idx="2">
+            <a:schemeClr val="dk1"/>
+          </a:lnRef>
+          <a:fillRef idx="1">
+            <a:schemeClr val="lt1"/>
+          </a:fillRef>
+          <a:effectRef idx="0">
+            <a:schemeClr val="dk1"/>
+          </a:effectRef>
+          <a:fontRef idx="minor">
+            <a:schemeClr val="dk1"/>
+          </a:fontRef>
+        </p:style>
+        <p:txBody>
+          <a:bodyPr rtlCol="0" anchor="ctr"/>
+          <a:lstStyle/>
+          <a:p>
+            <a:pPr algn="ctr"/>
+            <a:r>
+              <a:rPr lang="zh-CN" altLang="en-US" dirty="0"/>
+              <a:t>父节点</a:t>
+            </a:r>
+          </a:p>
+        </p:txBody>
+      </p:sp>
+      <p:sp>
+        <p:nvSpPr>
+          <p:cNvPr id="30" name="矩形 29">
+            <a:extLst>
+              <a:ext uri="{FF2B5EF4-FFF2-40B4-BE49-F238E27FC236}">
+                <a16:creationId xmlns:a16="http://schemas.microsoft.com/office/drawing/2014/main" id="{0A843BBA-EDED-422F-B5D1-1C8CF39BFA58}"/>
+              </a:ext>
+            </a:extLst>
+          </p:cNvPr>
+          <p:cNvSpPr/>
+          <p:nvPr/>
+        </p:nvSpPr>
+        <p:spPr>
+          <a:xfrm>
+            <a:off x="2650920" y="2558646"/>
+            <a:ext cx="2105638" cy="335559"/>
+          </a:xfrm>
+          <a:prstGeom prst="rect">
+            <a:avLst/>
+          </a:prstGeom>
+        </p:spPr>
+        <p:style>
+          <a:lnRef idx="2">
+            <a:schemeClr val="dk1"/>
+          </a:lnRef>
+          <a:fillRef idx="1">
+            <a:schemeClr val="lt1"/>
+          </a:fillRef>
+          <a:effectRef idx="0">
+            <a:schemeClr val="dk1"/>
+          </a:effectRef>
+          <a:fontRef idx="minor">
+            <a:schemeClr val="dk1"/>
+          </a:fontRef>
+        </p:style>
+        <p:txBody>
+          <a:bodyPr rtlCol="0" anchor="ctr"/>
+          <a:lstStyle/>
+          <a:p>
+            <a:pPr algn="ctr"/>
+            <a:r>
+              <a:rPr lang="zh-CN" altLang="en-US" dirty="0"/>
+              <a:t>下一个兄弟节点</a:t>
+            </a:r>
+          </a:p>
+        </p:txBody>
+      </p:sp>
+      <p:sp>
+        <p:nvSpPr>
+          <p:cNvPr id="31" name="矩形 30">
+            <a:extLst>
+              <a:ext uri="{FF2B5EF4-FFF2-40B4-BE49-F238E27FC236}">
+                <a16:creationId xmlns:a16="http://schemas.microsoft.com/office/drawing/2014/main" id="{E7A1127C-4BA9-4120-934E-55C5A1D27A9E}"/>
+              </a:ext>
+            </a:extLst>
+          </p:cNvPr>
+          <p:cNvSpPr/>
+          <p:nvPr/>
+        </p:nvSpPr>
+        <p:spPr>
+          <a:xfrm>
+            <a:off x="2650920" y="2894211"/>
+            <a:ext cx="2105638" cy="335559"/>
+          </a:xfrm>
+          <a:prstGeom prst="rect">
+            <a:avLst/>
+          </a:prstGeom>
+        </p:spPr>
+        <p:style>
+          <a:lnRef idx="2">
+            <a:schemeClr val="dk1"/>
+          </a:lnRef>
+          <a:fillRef idx="1">
+            <a:schemeClr val="lt1"/>
+          </a:fillRef>
+          <a:effectRef idx="0">
+            <a:schemeClr val="dk1"/>
+          </a:effectRef>
+          <a:fontRef idx="minor">
+            <a:schemeClr val="dk1"/>
+          </a:fontRef>
+        </p:style>
+        <p:txBody>
+          <a:bodyPr rtlCol="0" anchor="ctr"/>
+          <a:lstStyle/>
+          <a:p>
+            <a:pPr algn="ctr"/>
+            <a:r>
+              <a:rPr lang="zh-CN" altLang="en-US" dirty="0"/>
+              <a:t>上一个兄弟节点</a:t>
+            </a:r>
+          </a:p>
+        </p:txBody>
+      </p:sp>
+      <p:sp>
+        <p:nvSpPr>
+          <p:cNvPr id="35" name="矩形 34">
+            <a:extLst>
+              <a:ext uri="{FF2B5EF4-FFF2-40B4-BE49-F238E27FC236}">
+                <a16:creationId xmlns:a16="http://schemas.microsoft.com/office/drawing/2014/main" id="{E4771E55-C764-462A-BDC0-79407CB11995}"/>
+              </a:ext>
+            </a:extLst>
+          </p:cNvPr>
+          <p:cNvSpPr/>
+          <p:nvPr/>
+        </p:nvSpPr>
+        <p:spPr>
+          <a:xfrm>
+            <a:off x="2650920" y="3233955"/>
+            <a:ext cx="2105638" cy="335559"/>
+          </a:xfrm>
+          <a:prstGeom prst="rect">
+            <a:avLst/>
+          </a:prstGeom>
+        </p:spPr>
+        <p:style>
+          <a:lnRef idx="2">
+            <a:schemeClr val="dk1"/>
+          </a:lnRef>
+          <a:fillRef idx="1">
+            <a:schemeClr val="lt1"/>
+          </a:fillRef>
+          <a:effectRef idx="0">
+            <a:schemeClr val="dk1"/>
+          </a:effectRef>
+          <a:fontRef idx="minor">
+            <a:schemeClr val="dk1"/>
+          </a:fontRef>
+        </p:style>
+        <p:txBody>
+          <a:bodyPr rtlCol="0" anchor="ctr"/>
+          <a:lstStyle/>
+          <a:p>
+            <a:pPr algn="ctr"/>
+            <a:r>
+              <a:rPr lang="zh-CN" altLang="en-US" dirty="0"/>
+              <a:t>最后一个孩子节点</a:t>
+            </a:r>
+          </a:p>
+        </p:txBody>
+      </p:sp>
+      <p:sp>
+        <p:nvSpPr>
+          <p:cNvPr id="36" name="矩形 35">
+            <a:extLst>
+              <a:ext uri="{FF2B5EF4-FFF2-40B4-BE49-F238E27FC236}">
+                <a16:creationId xmlns:a16="http://schemas.microsoft.com/office/drawing/2014/main" id="{25477E43-90E1-4AA0-9143-CC032C9C1AB9}"/>
+              </a:ext>
+            </a:extLst>
+          </p:cNvPr>
+          <p:cNvSpPr/>
+          <p:nvPr/>
+        </p:nvSpPr>
+        <p:spPr>
+          <a:xfrm>
+            <a:off x="2650920" y="3569514"/>
+            <a:ext cx="2105638" cy="335559"/>
+          </a:xfrm>
+          <a:prstGeom prst="rect">
+            <a:avLst/>
+          </a:prstGeom>
+        </p:spPr>
+        <p:style>
+          <a:lnRef idx="2">
+            <a:schemeClr val="dk1"/>
+          </a:lnRef>
+          <a:fillRef idx="1">
+            <a:schemeClr val="lt1"/>
+          </a:fillRef>
+          <a:effectRef idx="0">
+            <a:schemeClr val="dk1"/>
+          </a:effectRef>
+          <a:fontRef idx="minor">
+            <a:schemeClr val="dk1"/>
+          </a:fontRef>
+        </p:style>
+        <p:txBody>
+          <a:bodyPr rtlCol="0" anchor="ctr"/>
+          <a:lstStyle/>
+          <a:p>
+            <a:pPr algn="ctr"/>
+            <a:r>
+              <a:rPr lang="zh-CN" altLang="en-US" dirty="0"/>
+              <a:t>孩子数量</a:t>
+            </a:r>
+          </a:p>
+        </p:txBody>
+      </p:sp>
+    </p:spTree>
+    <p:extLst>
+      <p:ext uri="{BB962C8B-B14F-4D97-AF65-F5344CB8AC3E}">
+        <p14:creationId xmlns:p14="http://schemas.microsoft.com/office/powerpoint/2010/main" val="2300004141"/>
+      </p:ext>
+    </p:extLst>
+  </p:cSld>
+  <p:clrMapOvr>
+    <a:masterClrMapping/>
+  </p:clrMapOvr>
+</p:sld>
+</file>
+
 <file path=ppt/theme/theme1.xml><?xml version="1.0" encoding="utf-8"?>
 <a:theme xmlns:a="http://schemas.openxmlformats.org/drawingml/2006/main" name="Office 主题​​">
   <a:themeElements>
